--- a/slides/2024/slides_20241219.pptx
+++ b/slides/2024/slides_20241219.pptx
@@ -15594,7 +15594,7 @@
           <a:p>
             <a:fld id="{7039F3EA-1319-4642-9CD9-713F652E0847}" type="datetime1">
               <a:rPr lang="fr-FR" smtClean="0"/>
-              <a:t>19/12/2024</a:t>
+              <a:t>06/01/2025</a:t>
             </a:fld>
             <a:endParaRPr lang="en-US"/>
           </a:p>
@@ -15775,7 +15775,7 @@
           <a:p>
             <a:fld id="{F1AF66A5-879E-4F3C-BFD2-FFD0C6C04055}" type="datetime1">
               <a:rPr lang="fr-FR" smtClean="0"/>
-              <a:t>19/12/2024</a:t>
+              <a:t>06/01/2025</a:t>
             </a:fld>
             <a:endParaRPr lang="fr-FR"/>
           </a:p>
@@ -19383,14 +19383,14 @@
           <a:p>
             <a:pPr marL="25399"/>
             <a:r>
-              <a:rPr lang="fr-FR" sz="3200" b="1" dirty="0">
+              <a:rPr lang="fr-FR" sz="3200" b="1">
                 <a:solidFill>
                   <a:srgbClr val="1907C9"/>
                 </a:solidFill>
               </a:rPr>
               <a:t>Project info</a:t>
             </a:r>
-            <a:endParaRPr lang="en-US" sz="3200" b="1" dirty="0">
+            <a:endParaRPr lang="fr-FR" sz="3200" b="1" dirty="0">
               <a:solidFill>
                 <a:srgbClr val="1907C9"/>
               </a:solidFill>
@@ -19531,7 +19531,7 @@
         <p:spPr/>
         <p:txBody>
           <a:bodyPr>
-            <a:normAutofit lnSpcReduction="10000"/>
+            <a:normAutofit/>
           </a:bodyPr>
           <a:lstStyle/>
           <a:p>
@@ -19569,197 +19569,29 @@
               </a:rPr>
               <a:t>period</a:t>
             </a:r>
-            <a:endParaRPr lang="fr-FR" dirty="0">
-              <a:latin typeface="+mn-lt"/>
-            </a:endParaRPr>
-          </a:p>
-          <a:p>
-            <a:endParaRPr lang="fr-FR" dirty="0">
-              <a:latin typeface="+mn-lt"/>
-            </a:endParaRPr>
-          </a:p>
-          <a:p>
-            <a:pPr marL="368299" indent="-342900">
-              <a:buFont typeface="Arial" panose="020B0604020202020204" pitchFamily="34" charset="0"/>
-              <a:buChar char="•"/>
-            </a:pPr>
             <a:r>
               <a:rPr lang="fr-FR" dirty="0">
                 <a:latin typeface="+mn-lt"/>
               </a:rPr>
-              <a:t>No « </a:t>
+              <a:t> (Instructions - PDF/Word </a:t>
             </a:r>
             <a:r>
               <a:rPr lang="fr-FR" dirty="0" err="1">
                 <a:latin typeface="+mn-lt"/>
               </a:rPr>
-              <a:t>period</a:t>
+              <a:t>updated</a:t>
             </a:r>
             <a:r>
               <a:rPr lang="fr-FR" dirty="0">
                 <a:latin typeface="+mn-lt"/>
               </a:rPr>
-              <a:t> » limitation on the usage of </a:t>
-            </a:r>
-            <a:r>
-              <a:rPr lang="fr-FR" dirty="0" err="1">
-                <a:latin typeface="+mn-lt"/>
-              </a:rPr>
-              <a:t>input_data</a:t>
-            </a:r>
-            <a:r>
-              <a:rPr lang="fr-FR" dirty="0">
-                <a:latin typeface="+mn-lt"/>
-              </a:rPr>
-              <a:t> (GHI, temp etc…) </a:t>
+              <a:t>)</a:t>
             </a:r>
           </a:p>
           <a:p>
             <a:pPr marL="368299" indent="-342900">
               <a:buFont typeface="Arial" panose="020B0604020202020204" pitchFamily="34" charset="0"/>
               <a:buChar char="•"/>
-            </a:pPr>
-            <a:r>
-              <a:rPr lang="fr-FR" dirty="0">
-                <a:latin typeface="+mn-lt"/>
-              </a:rPr>
-              <a:t>If </a:t>
-            </a:r>
-            <a:r>
-              <a:rPr lang="fr-FR" dirty="0" err="1">
-                <a:latin typeface="+mn-lt"/>
-              </a:rPr>
-              <a:t>you</a:t>
-            </a:r>
-            <a:r>
-              <a:rPr lang="fr-FR" dirty="0">
-                <a:latin typeface="+mn-lt"/>
-              </a:rPr>
-              <a:t> </a:t>
-            </a:r>
-            <a:r>
-              <a:rPr lang="fr-FR" dirty="0" err="1">
-                <a:latin typeface="+mn-lt"/>
-              </a:rPr>
-              <a:t>perform</a:t>
-            </a:r>
-            <a:r>
-              <a:rPr lang="fr-FR" dirty="0">
-                <a:latin typeface="+mn-lt"/>
-              </a:rPr>
-              <a:t> a </a:t>
-            </a:r>
-            <a:r>
-              <a:rPr lang="fr-FR" dirty="0" err="1">
-                <a:latin typeface="+mn-lt"/>
-              </a:rPr>
-              <a:t>residual</a:t>
-            </a:r>
-            <a:r>
-              <a:rPr lang="fr-FR" dirty="0">
-                <a:latin typeface="+mn-lt"/>
-              </a:rPr>
-              <a:t> </a:t>
-            </a:r>
-            <a:r>
-              <a:rPr lang="fr-FR" dirty="0" err="1">
-                <a:latin typeface="+mn-lt"/>
-              </a:rPr>
-              <a:t>analysis</a:t>
-            </a:r>
-            <a:r>
-              <a:rPr lang="fr-FR" dirty="0">
-                <a:latin typeface="+mn-lt"/>
-              </a:rPr>
-              <a:t> or ML </a:t>
-            </a:r>
-            <a:r>
-              <a:rPr lang="fr-FR" dirty="0" err="1">
-                <a:latin typeface="+mn-lt"/>
-              </a:rPr>
-              <a:t>regression</a:t>
-            </a:r>
-            <a:r>
-              <a:rPr lang="fr-FR" dirty="0">
-                <a:latin typeface="+mn-lt"/>
-              </a:rPr>
-              <a:t> (Gpoa, </a:t>
-            </a:r>
-            <a:r>
-              <a:rPr lang="fr-FR" dirty="0" err="1">
-                <a:latin typeface="+mn-lt"/>
-              </a:rPr>
-              <a:t>Tmod</a:t>
-            </a:r>
-            <a:r>
-              <a:rPr lang="fr-FR" dirty="0">
-                <a:latin typeface="+mn-lt"/>
-              </a:rPr>
-              <a:t>, Pdc, </a:t>
-            </a:r>
-            <a:r>
-              <a:rPr lang="fr-FR" dirty="0" err="1">
-                <a:latin typeface="+mn-lt"/>
-              </a:rPr>
-              <a:t>Pac</a:t>
-            </a:r>
-            <a:r>
-              <a:rPr lang="fr-FR" dirty="0">
-                <a:latin typeface="+mn-lt"/>
-              </a:rPr>
-              <a:t> etc…)</a:t>
-            </a:r>
-          </a:p>
-          <a:p>
-            <a:pPr marL="1028683" lvl="1" indent="-342900"/>
-            <a:r>
-              <a:rPr lang="fr-FR" dirty="0"/>
-              <a:t>Use </a:t>
-            </a:r>
-            <a:r>
-              <a:rPr lang="fr-FR" dirty="0" err="1"/>
-              <a:t>o</a:t>
-            </a:r>
-            <a:r>
-              <a:rPr lang="fr-FR" dirty="0" err="1">
-                <a:latin typeface="+mn-lt"/>
-              </a:rPr>
-              <a:t>nly</a:t>
-            </a:r>
-            <a:r>
-              <a:rPr lang="fr-FR" dirty="0">
-                <a:latin typeface="+mn-lt"/>
-              </a:rPr>
-              <a:t> 2020 to </a:t>
-            </a:r>
-            <a:r>
-              <a:rPr lang="fr-FR" dirty="0" err="1">
-                <a:latin typeface="+mn-lt"/>
-              </a:rPr>
-              <a:t>perform</a:t>
-            </a:r>
-            <a:r>
-              <a:rPr lang="fr-FR" dirty="0">
-                <a:latin typeface="+mn-lt"/>
-              </a:rPr>
-              <a:t> the </a:t>
-            </a:r>
-            <a:r>
-              <a:rPr lang="fr-FR" dirty="0" err="1">
-                <a:latin typeface="+mn-lt"/>
-              </a:rPr>
-              <a:t>analysis</a:t>
-            </a:r>
-            <a:r>
-              <a:rPr lang="fr-FR" dirty="0">
-                <a:latin typeface="+mn-lt"/>
-              </a:rPr>
-              <a:t> / train the model</a:t>
-            </a:r>
-          </a:p>
-          <a:p>
-            <a:pPr lvl="1" indent="0">
-              <a:buNone/>
             </a:pPr>
             <a:endParaRPr lang="fr-FR" dirty="0">
               <a:latin typeface="+mn-lt"/>
@@ -19771,16 +19603,59 @@
               <a:buChar char="•"/>
             </a:pPr>
             <a:r>
+              <a:rPr lang="fr-FR" dirty="0" err="1">
+                <a:latin typeface="+mn-lt"/>
+              </a:rPr>
+              <a:t>Feel</a:t>
+            </a:r>
+            <a:r>
               <a:rPr lang="fr-FR" dirty="0">
                 <a:latin typeface="+mn-lt"/>
               </a:rPr>
-              <a:t>If </a:t>
+              <a:t> free to </a:t>
             </a:r>
             <a:r>
               <a:rPr lang="fr-FR" dirty="0" err="1">
                 <a:latin typeface="+mn-lt"/>
               </a:rPr>
-              <a:t>you</a:t>
+              <a:t>try</a:t>
+            </a:r>
+            <a:r>
+              <a:rPr lang="fr-FR" dirty="0">
+                <a:latin typeface="+mn-lt"/>
+              </a:rPr>
+              <a:t> to </a:t>
+            </a:r>
+            <a:r>
+              <a:rPr lang="fr-FR" dirty="0" err="1">
+                <a:latin typeface="+mn-lt"/>
+              </a:rPr>
+              <a:t>send</a:t>
+            </a:r>
+            <a:r>
+              <a:rPr lang="fr-FR" dirty="0">
+                <a:latin typeface="+mn-lt"/>
+              </a:rPr>
+              <a:t> a zip file </a:t>
+            </a:r>
+            <a:r>
+              <a:rPr lang="fr-FR" dirty="0" err="1">
+                <a:latin typeface="+mn-lt"/>
+              </a:rPr>
+              <a:t>today</a:t>
+            </a:r>
+            <a:r>
+              <a:rPr lang="fr-FR" dirty="0">
+                <a:latin typeface="+mn-lt"/>
+              </a:rPr>
+              <a:t> to: </a:t>
+            </a:r>
+            <a:r>
+              <a:rPr lang="fr-FR" dirty="0">
+                <a:latin typeface="+mn-lt"/>
+                <a:hlinkClick r:id="rId2"/>
+              </a:rPr>
+              <a:t>alexandre.mathieu@heliocity.io</a:t>
             </a:r>
             <a:r>
               <a:rPr lang="fr-FR" dirty="0">
@@ -19788,253 +19663,14 @@
               </a:rPr>
               <a:t> </a:t>
             </a:r>
-            <a:r>
-              <a:rPr lang="fr-FR" dirty="0" err="1">
-                <a:latin typeface="+mn-lt"/>
-              </a:rPr>
-              <a:t>want</a:t>
-            </a:r>
-            <a:r>
-              <a:rPr lang="fr-FR" dirty="0">
-                <a:latin typeface="+mn-lt"/>
-              </a:rPr>
-              <a:t> to use </a:t>
-            </a:r>
-            <a:r>
-              <a:rPr lang="fr-FR" dirty="0" err="1">
-                <a:latin typeface="+mn-lt"/>
-              </a:rPr>
-              <a:t>commands</a:t>
-            </a:r>
-            <a:r>
-              <a:rPr lang="fr-FR" dirty="0">
-                <a:latin typeface="+mn-lt"/>
-              </a:rPr>
-              <a:t> like « .</a:t>
-            </a:r>
-            <a:r>
-              <a:rPr lang="fr-FR" dirty="0" err="1">
-                <a:latin typeface="+mn-lt"/>
-              </a:rPr>
-              <a:t>loc</a:t>
-            </a:r>
-            <a:r>
-              <a:rPr lang="fr-FR" dirty="0">
-                <a:latin typeface="+mn-lt"/>
-              </a:rPr>
-              <a:t>[« 20200301 »], </a:t>
-            </a:r>
-            <a:r>
-              <a:rPr lang="fr-FR" dirty="0" err="1">
-                <a:latin typeface="+mn-lt"/>
-              </a:rPr>
-              <a:t>make</a:t>
-            </a:r>
-            <a:r>
-              <a:rPr lang="fr-FR" dirty="0">
-                <a:latin typeface="+mn-lt"/>
-              </a:rPr>
-              <a:t> sure the </a:t>
-            </a:r>
-            <a:r>
-              <a:rPr lang="fr-FR" dirty="0" err="1">
-                <a:latin typeface="+mn-lt"/>
-              </a:rPr>
-              <a:t>dataframe</a:t>
-            </a:r>
-            <a:r>
-              <a:rPr lang="fr-FR" dirty="0">
-                <a:latin typeface="+mn-lt"/>
-              </a:rPr>
-              <a:t> index </a:t>
-            </a:r>
-            <a:r>
-              <a:rPr lang="fr-FR" dirty="0" err="1">
-                <a:latin typeface="+mn-lt"/>
-              </a:rPr>
-              <a:t>is</a:t>
-            </a:r>
-            <a:r>
-              <a:rPr lang="fr-FR" dirty="0">
-                <a:latin typeface="+mn-lt"/>
-              </a:rPr>
-              <a:t> </a:t>
-            </a:r>
-            <a:r>
-              <a:rPr lang="fr-FR" dirty="0" err="1">
-                <a:latin typeface="+mn-lt"/>
-              </a:rPr>
-              <a:t>converted</a:t>
-            </a:r>
-            <a:r>
-              <a:rPr lang="fr-FR" dirty="0">
-                <a:latin typeface="+mn-lt"/>
-              </a:rPr>
-              <a:t> to « </a:t>
-            </a:r>
-            <a:r>
-              <a:rPr lang="fr-FR" dirty="0" err="1">
-                <a:latin typeface="+mn-lt"/>
-              </a:rPr>
-              <a:t>DateTimeIndex</a:t>
-            </a:r>
-            <a:r>
-              <a:rPr lang="fr-FR" dirty="0">
-                <a:latin typeface="+mn-lt"/>
-              </a:rPr>
-              <a:t> » </a:t>
-            </a:r>
-            <a:r>
-              <a:rPr lang="fr-FR" dirty="0" err="1">
-                <a:latin typeface="+mn-lt"/>
-              </a:rPr>
-              <a:t>with</a:t>
-            </a:r>
-            <a:r>
-              <a:rPr lang="fr-FR" dirty="0">
-                <a:latin typeface="+mn-lt"/>
-              </a:rPr>
-              <a:t> the argument « </a:t>
-            </a:r>
-            <a:r>
-              <a:rPr lang="fr-FR" dirty="0" err="1">
-                <a:latin typeface="+mn-lt"/>
-              </a:rPr>
-              <a:t>utc</a:t>
-            </a:r>
-            <a:r>
-              <a:rPr lang="fr-FR" dirty="0">
-                <a:latin typeface="+mn-lt"/>
-              </a:rPr>
-              <a:t>=</a:t>
-            </a:r>
-            <a:r>
-              <a:rPr lang="fr-FR" dirty="0" err="1">
-                <a:latin typeface="+mn-lt"/>
-              </a:rPr>
-              <a:t>True</a:t>
-            </a:r>
-            <a:r>
-              <a:rPr lang="fr-FR" dirty="0">
-                <a:latin typeface="+mn-lt"/>
-              </a:rPr>
-              <a:t> » as in the </a:t>
-            </a:r>
-            <a:r>
-              <a:rPr lang="fr-FR" dirty="0" err="1">
-                <a:latin typeface="+mn-lt"/>
-              </a:rPr>
-              <a:t>example</a:t>
-            </a:r>
-            <a:r>
-              <a:rPr lang="fr-FR" dirty="0">
-                <a:latin typeface="+mn-lt"/>
-              </a:rPr>
-              <a:t> </a:t>
-            </a:r>
-            <a:r>
-              <a:rPr lang="fr-FR" dirty="0" err="1">
-                <a:latin typeface="+mn-lt"/>
-              </a:rPr>
-              <a:t>below</a:t>
-            </a:r>
-            <a:r>
-              <a:rPr lang="fr-FR" dirty="0">
-                <a:latin typeface="+mn-lt"/>
-              </a:rPr>
-              <a:t>.</a:t>
-            </a:r>
           </a:p>
           <a:p>
-            <a:r>
-              <a:rPr lang="fr-FR" i="1" dirty="0" err="1">
-                <a:latin typeface="+mn-lt"/>
-              </a:rPr>
-              <a:t>input_data.index</a:t>
-            </a:r>
-            <a:r>
-              <a:rPr lang="fr-FR" i="1" dirty="0">
-                <a:latin typeface="+mn-lt"/>
-              </a:rPr>
-              <a:t> =  </a:t>
-            </a:r>
-            <a:r>
-              <a:rPr lang="fr-FR" i="1" dirty="0" err="1">
-                <a:latin typeface="+mn-lt"/>
-              </a:rPr>
-              <a:t>pd.to_datetime</a:t>
-            </a:r>
-            <a:r>
-              <a:rPr lang="fr-FR" i="1" dirty="0">
-                <a:latin typeface="+mn-lt"/>
-              </a:rPr>
-              <a:t>(</a:t>
-            </a:r>
-            <a:r>
-              <a:rPr lang="fr-FR" i="1" dirty="0" err="1">
-                <a:latin typeface="+mn-lt"/>
-              </a:rPr>
-              <a:t>input_data.index</a:t>
-            </a:r>
-            <a:r>
-              <a:rPr lang="fr-FR" i="1" dirty="0">
-                <a:solidFill>
-                  <a:srgbClr val="FF0000"/>
-                </a:solidFill>
-                <a:latin typeface="+mn-lt"/>
-              </a:rPr>
-              <a:t>, </a:t>
-            </a:r>
-            <a:r>
-              <a:rPr lang="fr-FR" i="1" dirty="0" err="1">
-                <a:solidFill>
-                  <a:srgbClr val="FF0000"/>
-                </a:solidFill>
-                <a:latin typeface="+mn-lt"/>
-              </a:rPr>
-              <a:t>utc</a:t>
-            </a:r>
-            <a:r>
-              <a:rPr lang="fr-FR" i="1" dirty="0">
-                <a:solidFill>
-                  <a:srgbClr val="FF0000"/>
-                </a:solidFill>
-                <a:latin typeface="+mn-lt"/>
-              </a:rPr>
-              <a:t>=</a:t>
-            </a:r>
-            <a:r>
-              <a:rPr lang="fr-FR" i="1" dirty="0" err="1">
-                <a:solidFill>
-                  <a:srgbClr val="FF0000"/>
-                </a:solidFill>
-                <a:latin typeface="+mn-lt"/>
-              </a:rPr>
-              <a:t>True</a:t>
-            </a:r>
-            <a:r>
-              <a:rPr lang="fr-FR" i="1" dirty="0">
-                <a:latin typeface="+mn-lt"/>
-              </a:rPr>
-              <a:t>)</a:t>
-            </a:r>
+            <a:endParaRPr lang="fr-FR" dirty="0">
+              <a:latin typeface="+mn-lt"/>
+            </a:endParaRPr>
           </a:p>
           <a:p>
-            <a:r>
-              <a:rPr lang="fr-FR" i="1" dirty="0" err="1">
-                <a:latin typeface="+mn-lt"/>
-              </a:rPr>
-              <a:t>input_data.loc</a:t>
-            </a:r>
-            <a:r>
-              <a:rPr lang="fr-FR" i="1" dirty="0">
-                <a:latin typeface="+mn-lt"/>
-              </a:rPr>
-              <a:t>["20210101"]</a:t>
-            </a:r>
-          </a:p>
-          <a:p>
-            <a:pPr marL="1028683" lvl="1" indent="-342900"/>
+            <a:pPr marL="368299" indent="-342900"/>
             <a:endParaRPr lang="fr-FR" dirty="0">
               <a:latin typeface="+mn-lt"/>
             </a:endParaRPr>
@@ -20398,7 +20034,7 @@
           <p:nvPr>
             <p:extLst>
               <p:ext uri="{D42A27DB-BD31-4B8C-83A1-F6EECF244321}">
-                <p14:modId xmlns:p14="http://schemas.microsoft.com/office/powerpoint/2010/main" val="3878974023"/>
+                <p14:modId xmlns:p14="http://schemas.microsoft.com/office/powerpoint/2010/main" val="218483254"/>
               </p:ext>
             </p:extLst>
           </p:nvPr>
@@ -21776,13 +21412,13 @@
                         </a:spcAft>
                       </a:pPr>
                       <a:r>
-                        <a:rPr lang="fr-FR" sz="1800" noProof="0" dirty="0">
+                        <a:rPr lang="fr-FR" sz="1800" noProof="0">
                           <a:effectLst/>
                           <a:latin typeface="Calibri" panose="020F0502020204030204" pitchFamily="34" charset="0"/>
                           <a:ea typeface="Calibri" panose="020F0502020204030204" pitchFamily="34" charset="0"/>
                           <a:cs typeface="Times New Roman" panose="02020603050405020304" pitchFamily="18" charset="0"/>
                         </a:rPr>
-                        <a:t>9h45-11h45</a:t>
+                        <a:t>9h45-11h15</a:t>
                       </a:r>
                       <a:endParaRPr lang="en-US" sz="1800" noProof="0" dirty="0">
                         <a:effectLst/>
@@ -22084,7 +21720,7 @@
         </p:nvSpPr>
         <p:spPr>
           <a:xfrm>
-            <a:off x="3544381" y="4326083"/>
+            <a:off x="3575222" y="4923936"/>
             <a:ext cx="8392333" cy="617838"/>
           </a:xfrm>
           <a:prstGeom prst="rect">
@@ -22983,15 +22619,6 @@
 </file>
 
 <file path=customXml/item1.xml><?xml version="1.0" encoding="utf-8"?>
-<?mso-contentType ?>
-<FormTemplates xmlns="http://schemas.microsoft.com/sharepoint/v3/contenttype/forms">
-  <Display>DocumentLibraryForm</Display>
-  <Edit>DocumentLibraryForm</Edit>
-  <New>DocumentLibraryForm</New>
-</FormTemplates>
-</file>
-
-<file path=customXml/item2.xml><?xml version="1.0" encoding="utf-8"?>
 <p:properties xmlns:p="http://schemas.microsoft.com/office/2006/metadata/properties" xmlns:xsi="http://www.w3.org/2001/XMLSchema-instance" xmlns:pc="http://schemas.microsoft.com/office/infopath/2007/PartnerControls">
   <documentManagement>
     <lcf76f155ced4ddcb4097134ff3c332f xmlns="4c2def87-6459-45fe-82b8-2c44ad774fe7">
@@ -23002,7 +22629,7 @@
 </p:properties>
 </file>
 
-<file path=customXml/item3.xml><?xml version="1.0" encoding="utf-8"?>
+<file path=customXml/item2.xml><?xml version="1.0" encoding="utf-8"?>
 <ct:contentTypeSchema xmlns:ct="http://schemas.microsoft.com/office/2006/metadata/contentType" xmlns:ma="http://schemas.microsoft.com/office/2006/metadata/properties/metaAttributes" ct:_="" ma:_="" ma:contentTypeName="Document" ma:contentTypeID="0x01010041F95B9FA815364FBC35CFCC50A6DF2E" ma:contentTypeVersion="14" ma:contentTypeDescription="Create a new document." ma:contentTypeScope="" ma:versionID="79a45fa4d5681b63d051de39515cb8e3">
   <xsd:schema xmlns:xsd="http://www.w3.org/2001/XMLSchema" xmlns:xs="http://www.w3.org/2001/XMLSchema" xmlns:p="http://schemas.microsoft.com/office/2006/metadata/properties" xmlns:ns2="4c2def87-6459-45fe-82b8-2c44ad774fe7" xmlns:ns3="284c3d22-818e-4cb3-91ed-c315e7cac822" targetNamespace="http://schemas.microsoft.com/office/2006/metadata/properties" ma:root="true" ma:fieldsID="8d96ec500039b56ee849b1547a40a351" ns2:_="" ns3:_="">
     <xsd:import namespace="4c2def87-6459-45fe-82b8-2c44ad774fe7"/>
@@ -23231,15 +22858,16 @@
 </ct:contentTypeSchema>
 </file>
 
-<file path=customXml/itemProps1.xml><?xml version="1.0" encoding="utf-8"?>
-<ds:datastoreItem xmlns:ds="http://schemas.openxmlformats.org/officeDocument/2006/customXml" ds:itemID="{2664B94C-923D-4FDF-A77E-CE30A0087E87}">
-  <ds:schemaRefs>
-    <ds:schemaRef ds:uri="http://schemas.microsoft.com/sharepoint/v3/contenttype/forms"/>
-  </ds:schemaRefs>
-</ds:datastoreItem>
+<file path=customXml/item3.xml><?xml version="1.0" encoding="utf-8"?>
+<?mso-contentType ?>
+<FormTemplates xmlns="http://schemas.microsoft.com/sharepoint/v3/contenttype/forms">
+  <Display>DocumentLibraryForm</Display>
+  <Edit>DocumentLibraryForm</Edit>
+  <New>DocumentLibraryForm</New>
+</FormTemplates>
 </file>
 
-<file path=customXml/itemProps2.xml><?xml version="1.0" encoding="utf-8"?>
+<file path=customXml/itemProps1.xml><?xml version="1.0" encoding="utf-8"?>
 <ds:datastoreItem xmlns:ds="http://schemas.openxmlformats.org/officeDocument/2006/customXml" ds:itemID="{ACD7CA8D-F7E9-4DB4-9EFF-5F098173D501}">
   <ds:schemaRefs>
     <ds:schemaRef ds:uri="4c2def87-6459-45fe-82b8-2c44ad774fe7"/>
@@ -23256,7 +22884,7 @@
 </ds:datastoreItem>
 </file>
 
-<file path=customXml/itemProps3.xml><?xml version="1.0" encoding="utf-8"?>
+<file path=customXml/itemProps2.xml><?xml version="1.0" encoding="utf-8"?>
 <ds:datastoreItem xmlns:ds="http://schemas.openxmlformats.org/officeDocument/2006/customXml" ds:itemID="{D0A8C6C5-AEB9-4E3A-BA66-1F590519ED94}">
   <ds:schemaRefs>
     <ds:schemaRef ds:uri="http://schemas.microsoft.com/office/2006/metadata/contentType"/>
@@ -23273,4 +22901,12 @@
     <ds:schemaRef ds:uri="http://schemas.microsoft.com/internal/obd"/>
   </ds:schemaRefs>
 </ds:datastoreItem>
+</file>
+
+<file path=customXml/itemProps3.xml><?xml version="1.0" encoding="utf-8"?>
+<ds:datastoreItem xmlns:ds="http://schemas.openxmlformats.org/officeDocument/2006/customXml" ds:itemID="{2664B94C-923D-4FDF-A77E-CE30A0087E87}">
+  <ds:schemaRefs>
+    <ds:schemaRef ds:uri="http://schemas.microsoft.com/sharepoint/v3/contenttype/forms"/>
+  </ds:schemaRefs>
+</ds:datastoreItem>
 </file>